--- a/1_SQL/2_PPT/2_Data Types/General_datatypes.pptx
+++ b/1_SQL/2_PPT/2_Data Types/General_datatypes.pptx
@@ -10,6 +10,12 @@
     <p:sldId id="567" r:id="rId4"/>
     <p:sldId id="568" r:id="rId5"/>
     <p:sldId id="569" r:id="rId6"/>
+    <p:sldId id="553" r:id="rId7"/>
+    <p:sldId id="554" r:id="rId8"/>
+    <p:sldId id="555" r:id="rId9"/>
+    <p:sldId id="556" r:id="rId10"/>
+    <p:sldId id="557" r:id="rId11"/>
+    <p:sldId id="570" r:id="rId12"/>
   </p:sldIdLst>
   <p:sldSz cx="12192000" cy="6858000"/>
   <p:notesSz cx="6858000" cy="9144000"/>
@@ -265,7 +271,7 @@
           <a:p>
             <a:fld id="{8CB9CD5B-1415-4B2A-B42D-A911C6B5B056}" type="datetimeFigureOut">
               <a:rPr lang="en-IN" smtClean="0"/>
-              <a:t>04-11-2022</a:t>
+              <a:t>11-11-2022</a:t>
             </a:fld>
             <a:endParaRPr lang="en-IN"/>
           </a:p>
@@ -465,7 +471,7 @@
           <a:p>
             <a:fld id="{8CB9CD5B-1415-4B2A-B42D-A911C6B5B056}" type="datetimeFigureOut">
               <a:rPr lang="en-IN" smtClean="0"/>
-              <a:t>04-11-2022</a:t>
+              <a:t>11-11-2022</a:t>
             </a:fld>
             <a:endParaRPr lang="en-IN"/>
           </a:p>
@@ -675,7 +681,7 @@
           <a:p>
             <a:fld id="{8CB9CD5B-1415-4B2A-B42D-A911C6B5B056}" type="datetimeFigureOut">
               <a:rPr lang="en-IN" smtClean="0"/>
-              <a:t>04-11-2022</a:t>
+              <a:t>11-11-2022</a:t>
             </a:fld>
             <a:endParaRPr lang="en-IN"/>
           </a:p>
@@ -875,7 +881,7 @@
           <a:p>
             <a:fld id="{8CB9CD5B-1415-4B2A-B42D-A911C6B5B056}" type="datetimeFigureOut">
               <a:rPr lang="en-IN" smtClean="0"/>
-              <a:t>04-11-2022</a:t>
+              <a:t>11-11-2022</a:t>
             </a:fld>
             <a:endParaRPr lang="en-IN"/>
           </a:p>
@@ -1151,7 +1157,7 @@
           <a:p>
             <a:fld id="{8CB9CD5B-1415-4B2A-B42D-A911C6B5B056}" type="datetimeFigureOut">
               <a:rPr lang="en-IN" smtClean="0"/>
-              <a:t>04-11-2022</a:t>
+              <a:t>11-11-2022</a:t>
             </a:fld>
             <a:endParaRPr lang="en-IN"/>
           </a:p>
@@ -1419,7 +1425,7 @@
           <a:p>
             <a:fld id="{8CB9CD5B-1415-4B2A-B42D-A911C6B5B056}" type="datetimeFigureOut">
               <a:rPr lang="en-IN" smtClean="0"/>
-              <a:t>04-11-2022</a:t>
+              <a:t>11-11-2022</a:t>
             </a:fld>
             <a:endParaRPr lang="en-IN"/>
           </a:p>
@@ -1834,7 +1840,7 @@
           <a:p>
             <a:fld id="{8CB9CD5B-1415-4B2A-B42D-A911C6B5B056}" type="datetimeFigureOut">
               <a:rPr lang="en-IN" smtClean="0"/>
-              <a:t>04-11-2022</a:t>
+              <a:t>11-11-2022</a:t>
             </a:fld>
             <a:endParaRPr lang="en-IN"/>
           </a:p>
@@ -1976,7 +1982,7 @@
           <a:p>
             <a:fld id="{8CB9CD5B-1415-4B2A-B42D-A911C6B5B056}" type="datetimeFigureOut">
               <a:rPr lang="en-IN" smtClean="0"/>
-              <a:t>04-11-2022</a:t>
+              <a:t>11-11-2022</a:t>
             </a:fld>
             <a:endParaRPr lang="en-IN"/>
           </a:p>
@@ -2089,7 +2095,7 @@
           <a:p>
             <a:fld id="{8CB9CD5B-1415-4B2A-B42D-A911C6B5B056}" type="datetimeFigureOut">
               <a:rPr lang="en-IN" smtClean="0"/>
-              <a:t>04-11-2022</a:t>
+              <a:t>11-11-2022</a:t>
             </a:fld>
             <a:endParaRPr lang="en-IN"/>
           </a:p>
@@ -2402,7 +2408,7 @@
           <a:p>
             <a:fld id="{8CB9CD5B-1415-4B2A-B42D-A911C6B5B056}" type="datetimeFigureOut">
               <a:rPr lang="en-IN" smtClean="0"/>
-              <a:t>04-11-2022</a:t>
+              <a:t>11-11-2022</a:t>
             </a:fld>
             <a:endParaRPr lang="en-IN"/>
           </a:p>
@@ -2691,7 +2697,7 @@
           <a:p>
             <a:fld id="{8CB9CD5B-1415-4B2A-B42D-A911C6B5B056}" type="datetimeFigureOut">
               <a:rPr lang="en-IN" smtClean="0"/>
-              <a:t>04-11-2022</a:t>
+              <a:t>11-11-2022</a:t>
             </a:fld>
             <a:endParaRPr lang="en-IN"/>
           </a:p>
@@ -2934,7 +2940,7 @@
           <a:p>
             <a:fld id="{8CB9CD5B-1415-4B2A-B42D-A911C6B5B056}" type="datetimeFigureOut">
               <a:rPr lang="en-IN" smtClean="0"/>
-              <a:t>04-11-2022</a:t>
+              <a:t>11-11-2022</a:t>
             </a:fld>
             <a:endParaRPr lang="en-IN"/>
           </a:p>
@@ -3398,6 +3404,135 @@
 </p:sld>
 </file>
 
+<file path=ppt/slides/slide10.xml><?xml version="1.0" encoding="utf-8"?>
+<p:sld xmlns:a="http://schemas.openxmlformats.org/drawingml/2006/main" xmlns:r="http://schemas.openxmlformats.org/officeDocument/2006/relationships" xmlns:p="http://schemas.openxmlformats.org/presentationml/2006/main">
+  <p:cSld>
+    <p:spTree>
+      <p:nvGrpSpPr>
+        <p:cNvPr id="1" name=""/>
+        <p:cNvGrpSpPr/>
+        <p:nvPr/>
+      </p:nvGrpSpPr>
+      <p:grpSpPr>
+        <a:xfrm>
+          <a:off x="0" y="0"/>
+          <a:ext cx="0" cy="0"/>
+          <a:chOff x="0" y="0"/>
+          <a:chExt cx="0" cy="0"/>
+        </a:xfrm>
+      </p:grpSpPr>
+      <p:pic>
+        <p:nvPicPr>
+          <p:cNvPr id="3" name="Picture 2">
+            <a:extLst>
+              <a:ext uri="{FF2B5EF4-FFF2-40B4-BE49-F238E27FC236}">
+                <a16:creationId xmlns:a16="http://schemas.microsoft.com/office/drawing/2014/main" id="{E9AEA394-D7C1-456F-B1D1-01ACE0505F42}"/>
+              </a:ext>
+            </a:extLst>
+          </p:cNvPr>
+          <p:cNvPicPr>
+            <a:picLocks noChangeAspect="1"/>
+          </p:cNvPicPr>
+          <p:nvPr/>
+        </p:nvPicPr>
+        <p:blipFill rotWithShape="1">
+          <a:blip r:embed="rId2"/>
+          <a:srcRect l="1505" t="5432" b="5077"/>
+          <a:stretch/>
+        </p:blipFill>
+        <p:spPr>
+          <a:xfrm>
+            <a:off x="347869" y="278297"/>
+            <a:ext cx="9756913" cy="2514600"/>
+          </a:xfrm>
+          <a:prstGeom prst="rect">
+            <a:avLst/>
+          </a:prstGeom>
+          <a:ln w="15875">
+            <a:solidFill>
+              <a:schemeClr val="tx1"/>
+            </a:solidFill>
+          </a:ln>
+        </p:spPr>
+      </p:pic>
+    </p:spTree>
+    <p:extLst>
+      <p:ext uri="{BB962C8B-B14F-4D97-AF65-F5344CB8AC3E}">
+        <p14:creationId xmlns:p14="http://schemas.microsoft.com/office/powerpoint/2010/main" val="2413288210"/>
+      </p:ext>
+    </p:extLst>
+  </p:cSld>
+  <p:clrMapOvr>
+    <a:masterClrMapping/>
+  </p:clrMapOvr>
+</p:sld>
+</file>
+
+<file path=ppt/slides/slide11.xml><?xml version="1.0" encoding="utf-8"?>
+<p:sld xmlns:a="http://schemas.openxmlformats.org/drawingml/2006/main" xmlns:r="http://schemas.openxmlformats.org/officeDocument/2006/relationships" xmlns:p="http://schemas.openxmlformats.org/presentationml/2006/main">
+  <p:cSld>
+    <p:spTree>
+      <p:nvGrpSpPr>
+        <p:cNvPr id="1" name=""/>
+        <p:cNvGrpSpPr/>
+        <p:nvPr/>
+      </p:nvGrpSpPr>
+      <p:grpSpPr>
+        <a:xfrm>
+          <a:off x="0" y="0"/>
+          <a:ext cx="0" cy="0"/>
+          <a:chOff x="0" y="0"/>
+          <a:chExt cx="0" cy="0"/>
+        </a:xfrm>
+      </p:grpSpPr>
+      <p:pic>
+        <p:nvPicPr>
+          <p:cNvPr id="5" name="Picture 4">
+            <a:extLst>
+              <a:ext uri="{FF2B5EF4-FFF2-40B4-BE49-F238E27FC236}">
+                <a16:creationId xmlns:a16="http://schemas.microsoft.com/office/drawing/2014/main" id="{FB21C680-D6A8-4DFF-B661-38AE6CA00031}"/>
+              </a:ext>
+            </a:extLst>
+          </p:cNvPr>
+          <p:cNvPicPr>
+            <a:picLocks noChangeAspect="1"/>
+          </p:cNvPicPr>
+          <p:nvPr/>
+        </p:nvPicPr>
+        <p:blipFill>
+          <a:blip r:embed="rId2"/>
+          <a:stretch>
+            <a:fillRect/>
+          </a:stretch>
+        </p:blipFill>
+        <p:spPr>
+          <a:xfrm>
+            <a:off x="203198" y="237893"/>
+            <a:ext cx="6714838" cy="4761557"/>
+          </a:xfrm>
+          <a:prstGeom prst="rect">
+            <a:avLst/>
+          </a:prstGeom>
+          <a:ln>
+            <a:solidFill>
+              <a:schemeClr val="tx1"/>
+            </a:solidFill>
+          </a:ln>
+        </p:spPr>
+      </p:pic>
+    </p:spTree>
+    <p:extLst>
+      <p:ext uri="{BB962C8B-B14F-4D97-AF65-F5344CB8AC3E}">
+        <p14:creationId xmlns:p14="http://schemas.microsoft.com/office/powerpoint/2010/main" val="3406105174"/>
+      </p:ext>
+    </p:extLst>
+  </p:cSld>
+  <p:clrMapOvr>
+    <a:masterClrMapping/>
+  </p:clrMapOvr>
+</p:sld>
+</file>
+
 <file path=ppt/slides/slide2.xml><?xml version="1.0" encoding="utf-8"?>
 <p:sld xmlns:a="http://schemas.openxmlformats.org/drawingml/2006/main" xmlns:r="http://schemas.openxmlformats.org/officeDocument/2006/relationships" xmlns:p="http://schemas.openxmlformats.org/presentationml/2006/main">
   <p:cSld>
@@ -3755,6 +3890,262 @@
     <p:extLst>
       <p:ext uri="{BB962C8B-B14F-4D97-AF65-F5344CB8AC3E}">
         <p14:creationId xmlns:p14="http://schemas.microsoft.com/office/powerpoint/2010/main" val="2040529118"/>
+      </p:ext>
+    </p:extLst>
+  </p:cSld>
+  <p:clrMapOvr>
+    <a:masterClrMapping/>
+  </p:clrMapOvr>
+</p:sld>
+</file>
+
+<file path=ppt/slides/slide6.xml><?xml version="1.0" encoding="utf-8"?>
+<p:sld xmlns:a="http://schemas.openxmlformats.org/drawingml/2006/main" xmlns:r="http://schemas.openxmlformats.org/officeDocument/2006/relationships" xmlns:p="http://schemas.openxmlformats.org/presentationml/2006/main">
+  <p:cSld>
+    <p:spTree>
+      <p:nvGrpSpPr>
+        <p:cNvPr id="1" name=""/>
+        <p:cNvGrpSpPr/>
+        <p:nvPr/>
+      </p:nvGrpSpPr>
+      <p:grpSpPr>
+        <a:xfrm>
+          <a:off x="0" y="0"/>
+          <a:ext cx="0" cy="0"/>
+          <a:chOff x="0" y="0"/>
+          <a:chExt cx="0" cy="0"/>
+        </a:xfrm>
+      </p:grpSpPr>
+      <p:pic>
+        <p:nvPicPr>
+          <p:cNvPr id="3" name="Picture 2">
+            <a:extLst>
+              <a:ext uri="{FF2B5EF4-FFF2-40B4-BE49-F238E27FC236}">
+                <a16:creationId xmlns:a16="http://schemas.microsoft.com/office/drawing/2014/main" id="{6C8CE602-7E00-405E-AACE-EA4432460BBD}"/>
+              </a:ext>
+            </a:extLst>
+          </p:cNvPr>
+          <p:cNvPicPr>
+            <a:picLocks noChangeAspect="1"/>
+          </p:cNvPicPr>
+          <p:nvPr/>
+        </p:nvPicPr>
+        <p:blipFill rotWithShape="1">
+          <a:blip r:embed="rId2"/>
+          <a:srcRect l="1415" t="1880" r="3607" b="1990"/>
+          <a:stretch/>
+        </p:blipFill>
+        <p:spPr>
+          <a:xfrm>
+            <a:off x="198782" y="168966"/>
+            <a:ext cx="10688308" cy="5158408"/>
+          </a:xfrm>
+          <a:prstGeom prst="rect">
+            <a:avLst/>
+          </a:prstGeom>
+          <a:ln w="15875">
+            <a:solidFill>
+              <a:schemeClr val="tx1"/>
+            </a:solidFill>
+          </a:ln>
+        </p:spPr>
+      </p:pic>
+    </p:spTree>
+    <p:extLst>
+      <p:ext uri="{BB962C8B-B14F-4D97-AF65-F5344CB8AC3E}">
+        <p14:creationId xmlns:p14="http://schemas.microsoft.com/office/powerpoint/2010/main" val="1140347545"/>
+      </p:ext>
+    </p:extLst>
+  </p:cSld>
+  <p:clrMapOvr>
+    <a:masterClrMapping/>
+  </p:clrMapOvr>
+</p:sld>
+</file>
+
+<file path=ppt/slides/slide7.xml><?xml version="1.0" encoding="utf-8"?>
+<p:sld xmlns:a="http://schemas.openxmlformats.org/drawingml/2006/main" xmlns:r="http://schemas.openxmlformats.org/officeDocument/2006/relationships" xmlns:p="http://schemas.openxmlformats.org/presentationml/2006/main">
+  <p:cSld>
+    <p:spTree>
+      <p:nvGrpSpPr>
+        <p:cNvPr id="1" name=""/>
+        <p:cNvGrpSpPr/>
+        <p:nvPr/>
+      </p:nvGrpSpPr>
+      <p:grpSpPr>
+        <a:xfrm>
+          <a:off x="0" y="0"/>
+          <a:ext cx="0" cy="0"/>
+          <a:chOff x="0" y="0"/>
+          <a:chExt cx="0" cy="0"/>
+        </a:xfrm>
+      </p:grpSpPr>
+      <p:pic>
+        <p:nvPicPr>
+          <p:cNvPr id="3" name="Picture 2">
+            <a:extLst>
+              <a:ext uri="{FF2B5EF4-FFF2-40B4-BE49-F238E27FC236}">
+                <a16:creationId xmlns:a16="http://schemas.microsoft.com/office/drawing/2014/main" id="{B7F7A697-5D6A-41A0-A384-1FAE4B85FAF9}"/>
+              </a:ext>
+            </a:extLst>
+          </p:cNvPr>
+          <p:cNvPicPr>
+            <a:picLocks noChangeAspect="1"/>
+          </p:cNvPicPr>
+          <p:nvPr/>
+        </p:nvPicPr>
+        <p:blipFill rotWithShape="1">
+          <a:blip r:embed="rId2"/>
+          <a:srcRect l="1096" t="2267" r="2074"/>
+          <a:stretch/>
+        </p:blipFill>
+        <p:spPr>
+          <a:xfrm>
+            <a:off x="178904" y="178903"/>
+            <a:ext cx="10843592" cy="4419795"/>
+          </a:xfrm>
+          <a:prstGeom prst="rect">
+            <a:avLst/>
+          </a:prstGeom>
+          <a:ln w="15875">
+            <a:solidFill>
+              <a:schemeClr val="tx1"/>
+            </a:solidFill>
+          </a:ln>
+        </p:spPr>
+      </p:pic>
+    </p:spTree>
+    <p:extLst>
+      <p:ext uri="{BB962C8B-B14F-4D97-AF65-F5344CB8AC3E}">
+        <p14:creationId xmlns:p14="http://schemas.microsoft.com/office/powerpoint/2010/main" val="1088158577"/>
+      </p:ext>
+    </p:extLst>
+  </p:cSld>
+  <p:clrMapOvr>
+    <a:masterClrMapping/>
+  </p:clrMapOvr>
+</p:sld>
+</file>
+
+<file path=ppt/slides/slide8.xml><?xml version="1.0" encoding="utf-8"?>
+<p:sld xmlns:a="http://schemas.openxmlformats.org/drawingml/2006/main" xmlns:r="http://schemas.openxmlformats.org/officeDocument/2006/relationships" xmlns:p="http://schemas.openxmlformats.org/presentationml/2006/main">
+  <p:cSld>
+    <p:spTree>
+      <p:nvGrpSpPr>
+        <p:cNvPr id="1" name=""/>
+        <p:cNvGrpSpPr/>
+        <p:nvPr/>
+      </p:nvGrpSpPr>
+      <p:grpSpPr>
+        <a:xfrm>
+          <a:off x="0" y="0"/>
+          <a:ext cx="0" cy="0"/>
+          <a:chOff x="0" y="0"/>
+          <a:chExt cx="0" cy="0"/>
+        </a:xfrm>
+      </p:grpSpPr>
+      <p:pic>
+        <p:nvPicPr>
+          <p:cNvPr id="3" name="Picture 2">
+            <a:extLst>
+              <a:ext uri="{FF2B5EF4-FFF2-40B4-BE49-F238E27FC236}">
+                <a16:creationId xmlns:a16="http://schemas.microsoft.com/office/drawing/2014/main" id="{FE8A6515-5D01-41B1-BB35-1EED759069FE}"/>
+              </a:ext>
+            </a:extLst>
+          </p:cNvPr>
+          <p:cNvPicPr>
+            <a:picLocks noChangeAspect="1"/>
+          </p:cNvPicPr>
+          <p:nvPr/>
+        </p:nvPicPr>
+        <p:blipFill rotWithShape="1">
+          <a:blip r:embed="rId2"/>
+          <a:srcRect l="1044" t="1683" r="1432" b="2294"/>
+          <a:stretch/>
+        </p:blipFill>
+        <p:spPr>
+          <a:xfrm>
+            <a:off x="188842" y="168965"/>
+            <a:ext cx="11270975" cy="4769969"/>
+          </a:xfrm>
+          <a:prstGeom prst="rect">
+            <a:avLst/>
+          </a:prstGeom>
+          <a:ln w="15875">
+            <a:solidFill>
+              <a:schemeClr val="tx1"/>
+            </a:solidFill>
+          </a:ln>
+        </p:spPr>
+      </p:pic>
+    </p:spTree>
+    <p:extLst>
+      <p:ext uri="{BB962C8B-B14F-4D97-AF65-F5344CB8AC3E}">
+        <p14:creationId xmlns:p14="http://schemas.microsoft.com/office/powerpoint/2010/main" val="3257072216"/>
+      </p:ext>
+    </p:extLst>
+  </p:cSld>
+  <p:clrMapOvr>
+    <a:masterClrMapping/>
+  </p:clrMapOvr>
+</p:sld>
+</file>
+
+<file path=ppt/slides/slide9.xml><?xml version="1.0" encoding="utf-8"?>
+<p:sld xmlns:a="http://schemas.openxmlformats.org/drawingml/2006/main" xmlns:r="http://schemas.openxmlformats.org/officeDocument/2006/relationships" xmlns:p="http://schemas.openxmlformats.org/presentationml/2006/main">
+  <p:cSld>
+    <p:spTree>
+      <p:nvGrpSpPr>
+        <p:cNvPr id="1" name=""/>
+        <p:cNvGrpSpPr/>
+        <p:nvPr/>
+      </p:nvGrpSpPr>
+      <p:grpSpPr>
+        <a:xfrm>
+          <a:off x="0" y="0"/>
+          <a:ext cx="0" cy="0"/>
+          <a:chOff x="0" y="0"/>
+          <a:chExt cx="0" cy="0"/>
+        </a:xfrm>
+      </p:grpSpPr>
+      <p:pic>
+        <p:nvPicPr>
+          <p:cNvPr id="3" name="Picture 2">
+            <a:extLst>
+              <a:ext uri="{FF2B5EF4-FFF2-40B4-BE49-F238E27FC236}">
+                <a16:creationId xmlns:a16="http://schemas.microsoft.com/office/drawing/2014/main" id="{CCB5B075-3CCA-463E-9A64-82CDD8ED71AF}"/>
+              </a:ext>
+            </a:extLst>
+          </p:cNvPr>
+          <p:cNvPicPr>
+            <a:picLocks noChangeAspect="1"/>
+          </p:cNvPicPr>
+          <p:nvPr/>
+        </p:nvPicPr>
+        <p:blipFill rotWithShape="1">
+          <a:blip r:embed="rId2"/>
+          <a:srcRect l="1831" t="2970" r="2052" b="3216"/>
+          <a:stretch/>
+        </p:blipFill>
+        <p:spPr>
+          <a:xfrm>
+            <a:off x="228600" y="268357"/>
+            <a:ext cx="11489635" cy="3806687"/>
+          </a:xfrm>
+          <a:prstGeom prst="rect">
+            <a:avLst/>
+          </a:prstGeom>
+          <a:ln w="15875">
+            <a:solidFill>
+              <a:schemeClr val="tx1"/>
+            </a:solidFill>
+          </a:ln>
+        </p:spPr>
+      </p:pic>
+    </p:spTree>
+    <p:extLst>
+      <p:ext uri="{BB962C8B-B14F-4D97-AF65-F5344CB8AC3E}">
+        <p14:creationId xmlns:p14="http://schemas.microsoft.com/office/powerpoint/2010/main" val="551529494"/>
       </p:ext>
     </p:extLst>
   </p:cSld>

--- a/1_SQL/2_PPT/2_Data Types/General_datatypes.pptx
+++ b/1_SQL/2_PPT/2_Data Types/General_datatypes.pptx
@@ -6,16 +6,17 @@
   </p:sldMasterIdLst>
   <p:sldIdLst>
     <p:sldId id="256" r:id="rId2"/>
-    <p:sldId id="257" r:id="rId3"/>
-    <p:sldId id="567" r:id="rId4"/>
-    <p:sldId id="568" r:id="rId5"/>
-    <p:sldId id="569" r:id="rId6"/>
-    <p:sldId id="553" r:id="rId7"/>
-    <p:sldId id="554" r:id="rId8"/>
-    <p:sldId id="555" r:id="rId9"/>
-    <p:sldId id="556" r:id="rId10"/>
-    <p:sldId id="557" r:id="rId11"/>
-    <p:sldId id="570" r:id="rId12"/>
+    <p:sldId id="571" r:id="rId3"/>
+    <p:sldId id="257" r:id="rId4"/>
+    <p:sldId id="567" r:id="rId5"/>
+    <p:sldId id="568" r:id="rId6"/>
+    <p:sldId id="569" r:id="rId7"/>
+    <p:sldId id="553" r:id="rId8"/>
+    <p:sldId id="554" r:id="rId9"/>
+    <p:sldId id="555" r:id="rId10"/>
+    <p:sldId id="556" r:id="rId11"/>
+    <p:sldId id="557" r:id="rId12"/>
+    <p:sldId id="570" r:id="rId13"/>
   </p:sldIdLst>
   <p:sldSz cx="12192000" cy="6858000"/>
   <p:notesSz cx="6858000" cy="9144000"/>
@@ -271,7 +272,7 @@
           <a:p>
             <a:fld id="{8CB9CD5B-1415-4B2A-B42D-A911C6B5B056}" type="datetimeFigureOut">
               <a:rPr lang="en-IN" smtClean="0"/>
-              <a:t>11-11-2022</a:t>
+              <a:t>14-11-2022</a:t>
             </a:fld>
             <a:endParaRPr lang="en-IN"/>
           </a:p>
@@ -471,7 +472,7 @@
           <a:p>
             <a:fld id="{8CB9CD5B-1415-4B2A-B42D-A911C6B5B056}" type="datetimeFigureOut">
               <a:rPr lang="en-IN" smtClean="0"/>
-              <a:t>11-11-2022</a:t>
+              <a:t>14-11-2022</a:t>
             </a:fld>
             <a:endParaRPr lang="en-IN"/>
           </a:p>
@@ -681,7 +682,7 @@
           <a:p>
             <a:fld id="{8CB9CD5B-1415-4B2A-B42D-A911C6B5B056}" type="datetimeFigureOut">
               <a:rPr lang="en-IN" smtClean="0"/>
-              <a:t>11-11-2022</a:t>
+              <a:t>14-11-2022</a:t>
             </a:fld>
             <a:endParaRPr lang="en-IN"/>
           </a:p>
@@ -881,7 +882,7 @@
           <a:p>
             <a:fld id="{8CB9CD5B-1415-4B2A-B42D-A911C6B5B056}" type="datetimeFigureOut">
               <a:rPr lang="en-IN" smtClean="0"/>
-              <a:t>11-11-2022</a:t>
+              <a:t>14-11-2022</a:t>
             </a:fld>
             <a:endParaRPr lang="en-IN"/>
           </a:p>
@@ -1157,7 +1158,7 @@
           <a:p>
             <a:fld id="{8CB9CD5B-1415-4B2A-B42D-A911C6B5B056}" type="datetimeFigureOut">
               <a:rPr lang="en-IN" smtClean="0"/>
-              <a:t>11-11-2022</a:t>
+              <a:t>14-11-2022</a:t>
             </a:fld>
             <a:endParaRPr lang="en-IN"/>
           </a:p>
@@ -1425,7 +1426,7 @@
           <a:p>
             <a:fld id="{8CB9CD5B-1415-4B2A-B42D-A911C6B5B056}" type="datetimeFigureOut">
               <a:rPr lang="en-IN" smtClean="0"/>
-              <a:t>11-11-2022</a:t>
+              <a:t>14-11-2022</a:t>
             </a:fld>
             <a:endParaRPr lang="en-IN"/>
           </a:p>
@@ -1840,7 +1841,7 @@
           <a:p>
             <a:fld id="{8CB9CD5B-1415-4B2A-B42D-A911C6B5B056}" type="datetimeFigureOut">
               <a:rPr lang="en-IN" smtClean="0"/>
-              <a:t>11-11-2022</a:t>
+              <a:t>14-11-2022</a:t>
             </a:fld>
             <a:endParaRPr lang="en-IN"/>
           </a:p>
@@ -1982,7 +1983,7 @@
           <a:p>
             <a:fld id="{8CB9CD5B-1415-4B2A-B42D-A911C6B5B056}" type="datetimeFigureOut">
               <a:rPr lang="en-IN" smtClean="0"/>
-              <a:t>11-11-2022</a:t>
+              <a:t>14-11-2022</a:t>
             </a:fld>
             <a:endParaRPr lang="en-IN"/>
           </a:p>
@@ -2095,7 +2096,7 @@
           <a:p>
             <a:fld id="{8CB9CD5B-1415-4B2A-B42D-A911C6B5B056}" type="datetimeFigureOut">
               <a:rPr lang="en-IN" smtClean="0"/>
-              <a:t>11-11-2022</a:t>
+              <a:t>14-11-2022</a:t>
             </a:fld>
             <a:endParaRPr lang="en-IN"/>
           </a:p>
@@ -2408,7 +2409,7 @@
           <a:p>
             <a:fld id="{8CB9CD5B-1415-4B2A-B42D-A911C6B5B056}" type="datetimeFigureOut">
               <a:rPr lang="en-IN" smtClean="0"/>
-              <a:t>11-11-2022</a:t>
+              <a:t>14-11-2022</a:t>
             </a:fld>
             <a:endParaRPr lang="en-IN"/>
           </a:p>
@@ -2697,7 +2698,7 @@
           <a:p>
             <a:fld id="{8CB9CD5B-1415-4B2A-B42D-A911C6B5B056}" type="datetimeFigureOut">
               <a:rPr lang="en-IN" smtClean="0"/>
-              <a:t>11-11-2022</a:t>
+              <a:t>14-11-2022</a:t>
             </a:fld>
             <a:endParaRPr lang="en-IN"/>
           </a:p>
@@ -2940,7 +2941,7 @@
           <a:p>
             <a:fld id="{8CB9CD5B-1415-4B2A-B42D-A911C6B5B056}" type="datetimeFigureOut">
               <a:rPr lang="en-IN" smtClean="0"/>
-              <a:t>11-11-2022</a:t>
+              <a:t>14-11-2022</a:t>
             </a:fld>
             <a:endParaRPr lang="en-IN"/>
           </a:p>
@@ -3426,6 +3427,70 @@
           <p:cNvPr id="3" name="Picture 2">
             <a:extLst>
               <a:ext uri="{FF2B5EF4-FFF2-40B4-BE49-F238E27FC236}">
+                <a16:creationId xmlns:a16="http://schemas.microsoft.com/office/drawing/2014/main" id="{CCB5B075-3CCA-463E-9A64-82CDD8ED71AF}"/>
+              </a:ext>
+            </a:extLst>
+          </p:cNvPr>
+          <p:cNvPicPr>
+            <a:picLocks noChangeAspect="1"/>
+          </p:cNvPicPr>
+          <p:nvPr/>
+        </p:nvPicPr>
+        <p:blipFill rotWithShape="1">
+          <a:blip r:embed="rId2"/>
+          <a:srcRect l="1831" t="2970" r="2052" b="3216"/>
+          <a:stretch/>
+        </p:blipFill>
+        <p:spPr>
+          <a:xfrm>
+            <a:off x="228600" y="268357"/>
+            <a:ext cx="11489635" cy="3806687"/>
+          </a:xfrm>
+          <a:prstGeom prst="rect">
+            <a:avLst/>
+          </a:prstGeom>
+          <a:ln w="15875">
+            <a:solidFill>
+              <a:schemeClr val="tx1"/>
+            </a:solidFill>
+          </a:ln>
+        </p:spPr>
+      </p:pic>
+    </p:spTree>
+    <p:extLst>
+      <p:ext uri="{BB962C8B-B14F-4D97-AF65-F5344CB8AC3E}">
+        <p14:creationId xmlns:p14="http://schemas.microsoft.com/office/powerpoint/2010/main" val="551529494"/>
+      </p:ext>
+    </p:extLst>
+  </p:cSld>
+  <p:clrMapOvr>
+    <a:masterClrMapping/>
+  </p:clrMapOvr>
+</p:sld>
+</file>
+
+<file path=ppt/slides/slide11.xml><?xml version="1.0" encoding="utf-8"?>
+<p:sld xmlns:a="http://schemas.openxmlformats.org/drawingml/2006/main" xmlns:r="http://schemas.openxmlformats.org/officeDocument/2006/relationships" xmlns:p="http://schemas.openxmlformats.org/presentationml/2006/main">
+  <p:cSld>
+    <p:spTree>
+      <p:nvGrpSpPr>
+        <p:cNvPr id="1" name=""/>
+        <p:cNvGrpSpPr/>
+        <p:nvPr/>
+      </p:nvGrpSpPr>
+      <p:grpSpPr>
+        <a:xfrm>
+          <a:off x="0" y="0"/>
+          <a:ext cx="0" cy="0"/>
+          <a:chOff x="0" y="0"/>
+          <a:chExt cx="0" cy="0"/>
+        </a:xfrm>
+      </p:grpSpPr>
+      <p:pic>
+        <p:nvPicPr>
+          <p:cNvPr id="3" name="Picture 2">
+            <a:extLst>
+              <a:ext uri="{FF2B5EF4-FFF2-40B4-BE49-F238E27FC236}">
                 <a16:creationId xmlns:a16="http://schemas.microsoft.com/office/drawing/2014/main" id="{E9AEA394-D7C1-456F-B1D1-01ACE0505F42}"/>
               </a:ext>
             </a:extLst>
@@ -3468,7 +3533,7 @@
 </p:sld>
 </file>
 
-<file path=ppt/slides/slide11.xml><?xml version="1.0" encoding="utf-8"?>
+<file path=ppt/slides/slide12.xml><?xml version="1.0" encoding="utf-8"?>
 <p:sld xmlns:a="http://schemas.openxmlformats.org/drawingml/2006/main" xmlns:r="http://schemas.openxmlformats.org/officeDocument/2006/relationships" xmlns:p="http://schemas.openxmlformats.org/presentationml/2006/main">
   <p:cSld>
     <p:spTree>
@@ -3552,6 +3617,100 @@
       </p:grpSpPr>
       <p:pic>
         <p:nvPicPr>
+          <p:cNvPr id="7" name="Picture 6">
+            <a:extLst>
+              <a:ext uri="{FF2B5EF4-FFF2-40B4-BE49-F238E27FC236}">
+                <a16:creationId xmlns:a16="http://schemas.microsoft.com/office/drawing/2014/main" id="{65C1706F-FB5B-4C6F-B626-33D1B069C5AC}"/>
+              </a:ext>
+            </a:extLst>
+          </p:cNvPr>
+          <p:cNvPicPr>
+            <a:picLocks noChangeAspect="1"/>
+          </p:cNvPicPr>
+          <p:nvPr/>
+        </p:nvPicPr>
+        <p:blipFill rotWithShape="1">
+          <a:blip r:embed="rId2"/>
+          <a:srcRect l="3948" t="10088" r="4722" b="9546"/>
+          <a:stretch/>
+        </p:blipFill>
+        <p:spPr>
+          <a:xfrm>
+            <a:off x="234114" y="234679"/>
+            <a:ext cx="3903777" cy="1581975"/>
+          </a:xfrm>
+          <a:prstGeom prst="rect">
+            <a:avLst/>
+          </a:prstGeom>
+          <a:ln>
+            <a:solidFill>
+              <a:schemeClr val="tx1"/>
+            </a:solidFill>
+          </a:ln>
+        </p:spPr>
+      </p:pic>
+      <p:pic>
+        <p:nvPicPr>
+          <p:cNvPr id="9" name="Picture 8">
+            <a:extLst>
+              <a:ext uri="{FF2B5EF4-FFF2-40B4-BE49-F238E27FC236}">
+                <a16:creationId xmlns:a16="http://schemas.microsoft.com/office/drawing/2014/main" id="{D9B25F04-6F5F-4427-A0F8-5CF67484495E}"/>
+              </a:ext>
+            </a:extLst>
+          </p:cNvPr>
+          <p:cNvPicPr>
+            <a:picLocks noChangeAspect="1"/>
+          </p:cNvPicPr>
+          <p:nvPr/>
+        </p:nvPicPr>
+        <p:blipFill>
+          <a:blip r:embed="rId3"/>
+          <a:stretch>
+            <a:fillRect/>
+          </a:stretch>
+        </p:blipFill>
+        <p:spPr>
+          <a:xfrm>
+            <a:off x="234114" y="2245447"/>
+            <a:ext cx="1613159" cy="699924"/>
+          </a:xfrm>
+          <a:prstGeom prst="rect">
+            <a:avLst/>
+          </a:prstGeom>
+        </p:spPr>
+      </p:pic>
+    </p:spTree>
+    <p:extLst>
+      <p:ext uri="{BB962C8B-B14F-4D97-AF65-F5344CB8AC3E}">
+        <p14:creationId xmlns:p14="http://schemas.microsoft.com/office/powerpoint/2010/main" val="1478633064"/>
+      </p:ext>
+    </p:extLst>
+  </p:cSld>
+  <p:clrMapOvr>
+    <a:masterClrMapping/>
+  </p:clrMapOvr>
+</p:sld>
+</file>
+
+<file path=ppt/slides/slide3.xml><?xml version="1.0" encoding="utf-8"?>
+<p:sld xmlns:a="http://schemas.openxmlformats.org/drawingml/2006/main" xmlns:r="http://schemas.openxmlformats.org/officeDocument/2006/relationships" xmlns:p="http://schemas.openxmlformats.org/presentationml/2006/main">
+  <p:cSld>
+    <p:spTree>
+      <p:nvGrpSpPr>
+        <p:cNvPr id="1" name=""/>
+        <p:cNvGrpSpPr/>
+        <p:nvPr/>
+      </p:nvGrpSpPr>
+      <p:grpSpPr>
+        <a:xfrm>
+          <a:off x="0" y="0"/>
+          <a:ext cx="0" cy="0"/>
+          <a:chOff x="0" y="0"/>
+          <a:chExt cx="0" cy="0"/>
+        </a:xfrm>
+      </p:grpSpPr>
+      <p:pic>
+        <p:nvPicPr>
           <p:cNvPr id="5" name="Picture 4">
             <a:extLst>
               <a:ext uri="{FF2B5EF4-FFF2-40B4-BE49-F238E27FC236}">
@@ -3631,7 +3790,7 @@
 </p:sld>
 </file>
 
-<file path=ppt/slides/slide3.xml><?xml version="1.0" encoding="utf-8"?>
+<file path=ppt/slides/slide4.xml><?xml version="1.0" encoding="utf-8"?>
 <p:sld xmlns:a="http://schemas.openxmlformats.org/drawingml/2006/main" xmlns:r="http://schemas.openxmlformats.org/officeDocument/2006/relationships" xmlns:p="http://schemas.openxmlformats.org/presentationml/2006/main">
   <p:cSld>
     <p:spTree>
@@ -3771,7 +3930,7 @@
 </p:sld>
 </file>
 
-<file path=ppt/slides/slide4.xml><?xml version="1.0" encoding="utf-8"?>
+<file path=ppt/slides/slide5.xml><?xml version="1.0" encoding="utf-8"?>
 <p:sld xmlns:a="http://schemas.openxmlformats.org/drawingml/2006/main" xmlns:r="http://schemas.openxmlformats.org/officeDocument/2006/relationships" xmlns:p="http://schemas.openxmlformats.org/presentationml/2006/main">
   <p:cSld>
     <p:spTree>
@@ -3835,7 +3994,7 @@
 </p:sld>
 </file>
 
-<file path=ppt/slides/slide5.xml><?xml version="1.0" encoding="utf-8"?>
+<file path=ppt/slides/slide6.xml><?xml version="1.0" encoding="utf-8"?>
 <p:sld xmlns:a="http://schemas.openxmlformats.org/drawingml/2006/main" xmlns:r="http://schemas.openxmlformats.org/officeDocument/2006/relationships" xmlns:p="http://schemas.openxmlformats.org/presentationml/2006/main">
   <p:cSld>
     <p:spTree>
@@ -3899,7 +4058,7 @@
 </p:sld>
 </file>
 
-<file path=ppt/slides/slide6.xml><?xml version="1.0" encoding="utf-8"?>
+<file path=ppt/slides/slide7.xml><?xml version="1.0" encoding="utf-8"?>
 <p:sld xmlns:a="http://schemas.openxmlformats.org/drawingml/2006/main" xmlns:r="http://schemas.openxmlformats.org/officeDocument/2006/relationships" xmlns:p="http://schemas.openxmlformats.org/presentationml/2006/main">
   <p:cSld>
     <p:spTree>
@@ -3963,7 +4122,7 @@
 </p:sld>
 </file>
 
-<file path=ppt/slides/slide7.xml><?xml version="1.0" encoding="utf-8"?>
+<file path=ppt/slides/slide8.xml><?xml version="1.0" encoding="utf-8"?>
 <p:sld xmlns:a="http://schemas.openxmlformats.org/drawingml/2006/main" xmlns:r="http://schemas.openxmlformats.org/officeDocument/2006/relationships" xmlns:p="http://schemas.openxmlformats.org/presentationml/2006/main">
   <p:cSld>
     <p:spTree>
@@ -4027,7 +4186,7 @@
 </p:sld>
 </file>
 
-<file path=ppt/slides/slide8.xml><?xml version="1.0" encoding="utf-8"?>
+<file path=ppt/slides/slide9.xml><?xml version="1.0" encoding="utf-8"?>
 <p:sld xmlns:a="http://schemas.openxmlformats.org/drawingml/2006/main" xmlns:r="http://schemas.openxmlformats.org/officeDocument/2006/relationships" xmlns:p="http://schemas.openxmlformats.org/presentationml/2006/main">
   <p:cSld>
     <p:spTree>
@@ -4082,70 +4241,6 @@
     <p:extLst>
       <p:ext uri="{BB962C8B-B14F-4D97-AF65-F5344CB8AC3E}">
         <p14:creationId xmlns:p14="http://schemas.microsoft.com/office/powerpoint/2010/main" val="3257072216"/>
-      </p:ext>
-    </p:extLst>
-  </p:cSld>
-  <p:clrMapOvr>
-    <a:masterClrMapping/>
-  </p:clrMapOvr>
-</p:sld>
-</file>
-
-<file path=ppt/slides/slide9.xml><?xml version="1.0" encoding="utf-8"?>
-<p:sld xmlns:a="http://schemas.openxmlformats.org/drawingml/2006/main" xmlns:r="http://schemas.openxmlformats.org/officeDocument/2006/relationships" xmlns:p="http://schemas.openxmlformats.org/presentationml/2006/main">
-  <p:cSld>
-    <p:spTree>
-      <p:nvGrpSpPr>
-        <p:cNvPr id="1" name=""/>
-        <p:cNvGrpSpPr/>
-        <p:nvPr/>
-      </p:nvGrpSpPr>
-      <p:grpSpPr>
-        <a:xfrm>
-          <a:off x="0" y="0"/>
-          <a:ext cx="0" cy="0"/>
-          <a:chOff x="0" y="0"/>
-          <a:chExt cx="0" cy="0"/>
-        </a:xfrm>
-      </p:grpSpPr>
-      <p:pic>
-        <p:nvPicPr>
-          <p:cNvPr id="3" name="Picture 2">
-            <a:extLst>
-              <a:ext uri="{FF2B5EF4-FFF2-40B4-BE49-F238E27FC236}">
-                <a16:creationId xmlns:a16="http://schemas.microsoft.com/office/drawing/2014/main" id="{CCB5B075-3CCA-463E-9A64-82CDD8ED71AF}"/>
-              </a:ext>
-            </a:extLst>
-          </p:cNvPr>
-          <p:cNvPicPr>
-            <a:picLocks noChangeAspect="1"/>
-          </p:cNvPicPr>
-          <p:nvPr/>
-        </p:nvPicPr>
-        <p:blipFill rotWithShape="1">
-          <a:blip r:embed="rId2"/>
-          <a:srcRect l="1831" t="2970" r="2052" b="3216"/>
-          <a:stretch/>
-        </p:blipFill>
-        <p:spPr>
-          <a:xfrm>
-            <a:off x="228600" y="268357"/>
-            <a:ext cx="11489635" cy="3806687"/>
-          </a:xfrm>
-          <a:prstGeom prst="rect">
-            <a:avLst/>
-          </a:prstGeom>
-          <a:ln w="15875">
-            <a:solidFill>
-              <a:schemeClr val="tx1"/>
-            </a:solidFill>
-          </a:ln>
-        </p:spPr>
-      </p:pic>
-    </p:spTree>
-    <p:extLst>
-      <p:ext uri="{BB962C8B-B14F-4D97-AF65-F5344CB8AC3E}">
-        <p14:creationId xmlns:p14="http://schemas.microsoft.com/office/powerpoint/2010/main" val="551529494"/>
       </p:ext>
     </p:extLst>
   </p:cSld>
